--- a/spark/spark源码阅读笔记.pptx
+++ b/spark/spark源码阅读笔记.pptx
@@ -4,6 +4,9 @@
   <p:sldMasterIdLst>
     <p:sldMasterId id="2147483648" r:id="rId1"/>
   </p:sldMasterIdLst>
+  <p:sldIdLst>
+    <p:sldId id="256" r:id="rId2"/>
+  </p:sldIdLst>
   <p:sldSz cx="9144000" cy="6858000" type="screen4x3"/>
   <p:notesSz cx="6858000" cy="9144000"/>
   <p:defaultTextStyle>
@@ -285,7 +288,8 @@
           <a:p>
             <a:fld id="{530820CF-B880-4189-942D-D702A7CBA730}" type="datetimeFigureOut">
               <a:rPr lang="zh-CN" altLang="en-US" smtClean="0"/>
-              <a:t>2006-9-7</a:t>
+              <a:pPr/>
+              <a:t>2015/1/21</a:t>
             </a:fld>
             <a:endParaRPr lang="zh-CN" altLang="en-US"/>
           </a:p>
@@ -327,6 +331,7 @@
           <a:p>
             <a:fld id="{0C913308-F349-4B6D-A68A-DD1791B4A57B}" type="slidenum">
               <a:rPr lang="zh-CN" altLang="en-US" smtClean="0"/>
+              <a:pPr/>
               <a:t>‹#›</a:t>
             </a:fld>
             <a:endParaRPr lang="zh-CN" altLang="en-US"/>
@@ -450,7 +455,8 @@
           <a:p>
             <a:fld id="{530820CF-B880-4189-942D-D702A7CBA730}" type="datetimeFigureOut">
               <a:rPr lang="zh-CN" altLang="en-US" smtClean="0"/>
-              <a:t>2006-9-7</a:t>
+              <a:pPr/>
+              <a:t>2015/1/21</a:t>
             </a:fld>
             <a:endParaRPr lang="zh-CN" altLang="en-US"/>
           </a:p>
@@ -492,6 +498,7 @@
           <a:p>
             <a:fld id="{0C913308-F349-4B6D-A68A-DD1791B4A57B}" type="slidenum">
               <a:rPr lang="zh-CN" altLang="en-US" smtClean="0"/>
+              <a:pPr/>
               <a:t>‹#›</a:t>
             </a:fld>
             <a:endParaRPr lang="zh-CN" altLang="en-US"/>
@@ -625,7 +632,8 @@
           <a:p>
             <a:fld id="{530820CF-B880-4189-942D-D702A7CBA730}" type="datetimeFigureOut">
               <a:rPr lang="zh-CN" altLang="en-US" smtClean="0"/>
-              <a:t>2006-9-7</a:t>
+              <a:pPr/>
+              <a:t>2015/1/21</a:t>
             </a:fld>
             <a:endParaRPr lang="zh-CN" altLang="en-US"/>
           </a:p>
@@ -667,6 +675,7 @@
           <a:p>
             <a:fld id="{0C913308-F349-4B6D-A68A-DD1791B4A57B}" type="slidenum">
               <a:rPr lang="zh-CN" altLang="en-US" smtClean="0"/>
+              <a:pPr/>
               <a:t>‹#›</a:t>
             </a:fld>
             <a:endParaRPr lang="zh-CN" altLang="en-US"/>
@@ -790,7 +799,8 @@
           <a:p>
             <a:fld id="{530820CF-B880-4189-942D-D702A7CBA730}" type="datetimeFigureOut">
               <a:rPr lang="zh-CN" altLang="en-US" smtClean="0"/>
-              <a:t>2006-9-7</a:t>
+              <a:pPr/>
+              <a:t>2015/1/21</a:t>
             </a:fld>
             <a:endParaRPr lang="zh-CN" altLang="en-US"/>
           </a:p>
@@ -832,6 +842,7 @@
           <a:p>
             <a:fld id="{0C913308-F349-4B6D-A68A-DD1791B4A57B}" type="slidenum">
               <a:rPr lang="zh-CN" altLang="en-US" smtClean="0"/>
+              <a:pPr/>
               <a:t>‹#›</a:t>
             </a:fld>
             <a:endParaRPr lang="zh-CN" altLang="en-US"/>
@@ -1031,7 +1042,8 @@
           <a:p>
             <a:fld id="{530820CF-B880-4189-942D-D702A7CBA730}" type="datetimeFigureOut">
               <a:rPr lang="zh-CN" altLang="en-US" smtClean="0"/>
-              <a:t>2006-9-7</a:t>
+              <a:pPr/>
+              <a:t>2015/1/21</a:t>
             </a:fld>
             <a:endParaRPr lang="zh-CN" altLang="en-US"/>
           </a:p>
@@ -1073,6 +1085,7 @@
           <a:p>
             <a:fld id="{0C913308-F349-4B6D-A68A-DD1791B4A57B}" type="slidenum">
               <a:rPr lang="zh-CN" altLang="en-US" smtClean="0"/>
+              <a:pPr/>
               <a:t>‹#›</a:t>
             </a:fld>
             <a:endParaRPr lang="zh-CN" altLang="en-US"/>
@@ -1314,7 +1327,8 @@
           <a:p>
             <a:fld id="{530820CF-B880-4189-942D-D702A7CBA730}" type="datetimeFigureOut">
               <a:rPr lang="zh-CN" altLang="en-US" smtClean="0"/>
-              <a:t>2006-9-7</a:t>
+              <a:pPr/>
+              <a:t>2015/1/21</a:t>
             </a:fld>
             <a:endParaRPr lang="zh-CN" altLang="en-US"/>
           </a:p>
@@ -1356,6 +1370,7 @@
           <a:p>
             <a:fld id="{0C913308-F349-4B6D-A68A-DD1791B4A57B}" type="slidenum">
               <a:rPr lang="zh-CN" altLang="en-US" smtClean="0"/>
+              <a:pPr/>
               <a:t>‹#›</a:t>
             </a:fld>
             <a:endParaRPr lang="zh-CN" altLang="en-US"/>
@@ -1731,7 +1746,8 @@
           <a:p>
             <a:fld id="{530820CF-B880-4189-942D-D702A7CBA730}" type="datetimeFigureOut">
               <a:rPr lang="zh-CN" altLang="en-US" smtClean="0"/>
-              <a:t>2006-9-7</a:t>
+              <a:pPr/>
+              <a:t>2015/1/21</a:t>
             </a:fld>
             <a:endParaRPr lang="zh-CN" altLang="en-US"/>
           </a:p>
@@ -1773,6 +1789,7 @@
           <a:p>
             <a:fld id="{0C913308-F349-4B6D-A68A-DD1791B4A57B}" type="slidenum">
               <a:rPr lang="zh-CN" altLang="en-US" smtClean="0"/>
+              <a:pPr/>
               <a:t>‹#›</a:t>
             </a:fld>
             <a:endParaRPr lang="zh-CN" altLang="en-US"/>
@@ -1844,7 +1861,8 @@
           <a:p>
             <a:fld id="{530820CF-B880-4189-942D-D702A7CBA730}" type="datetimeFigureOut">
               <a:rPr lang="zh-CN" altLang="en-US" smtClean="0"/>
-              <a:t>2006-9-7</a:t>
+              <a:pPr/>
+              <a:t>2015/1/21</a:t>
             </a:fld>
             <a:endParaRPr lang="zh-CN" altLang="en-US"/>
           </a:p>
@@ -1886,6 +1904,7 @@
           <a:p>
             <a:fld id="{0C913308-F349-4B6D-A68A-DD1791B4A57B}" type="slidenum">
               <a:rPr lang="zh-CN" altLang="en-US" smtClean="0"/>
+              <a:pPr/>
               <a:t>‹#›</a:t>
             </a:fld>
             <a:endParaRPr lang="zh-CN" altLang="en-US"/>
@@ -1934,7 +1953,8 @@
           <a:p>
             <a:fld id="{530820CF-B880-4189-942D-D702A7CBA730}" type="datetimeFigureOut">
               <a:rPr lang="zh-CN" altLang="en-US" smtClean="0"/>
-              <a:t>2006-9-7</a:t>
+              <a:pPr/>
+              <a:t>2015/1/21</a:t>
             </a:fld>
             <a:endParaRPr lang="zh-CN" altLang="en-US"/>
           </a:p>
@@ -1976,6 +1996,7 @@
           <a:p>
             <a:fld id="{0C913308-F349-4B6D-A68A-DD1791B4A57B}" type="slidenum">
               <a:rPr lang="zh-CN" altLang="en-US" smtClean="0"/>
+              <a:pPr/>
               <a:t>‹#›</a:t>
             </a:fld>
             <a:endParaRPr lang="zh-CN" altLang="en-US"/>
@@ -2206,7 +2227,8 @@
           <a:p>
             <a:fld id="{530820CF-B880-4189-942D-D702A7CBA730}" type="datetimeFigureOut">
               <a:rPr lang="zh-CN" altLang="en-US" smtClean="0"/>
-              <a:t>2006-9-7</a:t>
+              <a:pPr/>
+              <a:t>2015/1/21</a:t>
             </a:fld>
             <a:endParaRPr lang="zh-CN" altLang="en-US"/>
           </a:p>
@@ -2248,6 +2270,7 @@
           <a:p>
             <a:fld id="{0C913308-F349-4B6D-A68A-DD1791B4A57B}" type="slidenum">
               <a:rPr lang="zh-CN" altLang="en-US" smtClean="0"/>
+              <a:pPr/>
               <a:t>‹#›</a:t>
             </a:fld>
             <a:endParaRPr lang="zh-CN" altLang="en-US"/>
@@ -2454,7 +2477,8 @@
           <a:p>
             <a:fld id="{530820CF-B880-4189-942D-D702A7CBA730}" type="datetimeFigureOut">
               <a:rPr lang="zh-CN" altLang="en-US" smtClean="0"/>
-              <a:t>2006-9-7</a:t>
+              <a:pPr/>
+              <a:t>2015/1/21</a:t>
             </a:fld>
             <a:endParaRPr lang="zh-CN" altLang="en-US"/>
           </a:p>
@@ -2496,6 +2520,7 @@
           <a:p>
             <a:fld id="{0C913308-F349-4B6D-A68A-DD1791B4A57B}" type="slidenum">
               <a:rPr lang="zh-CN" altLang="en-US" smtClean="0"/>
+              <a:pPr/>
               <a:t>‹#›</a:t>
             </a:fld>
             <a:endParaRPr lang="zh-CN" altLang="en-US"/>
@@ -2662,7 +2687,8 @@
           <a:p>
             <a:fld id="{530820CF-B880-4189-942D-D702A7CBA730}" type="datetimeFigureOut">
               <a:rPr lang="zh-CN" altLang="en-US" smtClean="0"/>
-              <a:t>2006-9-7</a:t>
+              <a:pPr/>
+              <a:t>2015/1/21</a:t>
             </a:fld>
             <a:endParaRPr lang="zh-CN" altLang="en-US"/>
           </a:p>
@@ -2740,6 +2766,7 @@
           <a:p>
             <a:fld id="{0C913308-F349-4B6D-A68A-DD1791B4A57B}" type="slidenum">
               <a:rPr lang="zh-CN" altLang="en-US" smtClean="0"/>
+              <a:pPr/>
               <a:t>‹#›</a:t>
             </a:fld>
             <a:endParaRPr lang="zh-CN" altLang="en-US"/>
@@ -3013,6 +3040,319 @@
     </p:otherStyle>
   </p:txStyles>
 </p:sldMaster>
+</file>
+
+<file path=ppt/slides/slide1.xml><?xml version="1.0" encoding="utf-8"?>
+<p:sld xmlns:a="http://schemas.openxmlformats.org/drawingml/2006/main" xmlns:r="http://schemas.openxmlformats.org/officeDocument/2006/relationships" xmlns:p="http://schemas.openxmlformats.org/presentationml/2006/main">
+  <p:cSld>
+    <p:spTree>
+      <p:nvGrpSpPr>
+        <p:cNvPr id="1" name=""/>
+        <p:cNvGrpSpPr/>
+        <p:nvPr/>
+      </p:nvGrpSpPr>
+      <p:grpSpPr>
+        <a:xfrm>
+          <a:off x="0" y="0"/>
+          <a:ext cx="0" cy="0"/>
+          <a:chOff x="0" y="0"/>
+          <a:chExt cx="0" cy="0"/>
+        </a:xfrm>
+      </p:grpSpPr>
+      <p:sp>
+        <p:nvSpPr>
+          <p:cNvPr id="4" name="矩形 3"/>
+          <p:cNvSpPr/>
+          <p:nvPr/>
+        </p:nvSpPr>
+        <p:spPr>
+          <a:xfrm>
+            <a:off x="3419872" y="1628800"/>
+            <a:ext cx="792088" cy="1800200"/>
+          </a:xfrm>
+          <a:prstGeom prst="rect">
+            <a:avLst/>
+          </a:prstGeom>
+        </p:spPr>
+        <p:style>
+          <a:lnRef idx="2">
+            <a:schemeClr val="accent1">
+              <a:shade val="50000"/>
+            </a:schemeClr>
+          </a:lnRef>
+          <a:fillRef idx="1">
+            <a:schemeClr val="accent1"/>
+          </a:fillRef>
+          <a:effectRef idx="0">
+            <a:schemeClr val="accent1"/>
+          </a:effectRef>
+          <a:fontRef idx="minor">
+            <a:schemeClr val="lt1"/>
+          </a:fontRef>
+        </p:style>
+        <p:txBody>
+          <a:bodyPr rtlCol="0" anchor="ctr"/>
+          <a:lstStyle/>
+          <a:p>
+            <a:pPr algn="ctr"/>
+            <a:endParaRPr lang="zh-CN" altLang="en-US"/>
+          </a:p>
+        </p:txBody>
+      </p:sp>
+      <p:sp>
+        <p:nvSpPr>
+          <p:cNvPr id="5" name="矩形 4"/>
+          <p:cNvSpPr/>
+          <p:nvPr/>
+        </p:nvSpPr>
+        <p:spPr>
+          <a:xfrm>
+            <a:off x="6588224" y="2708920"/>
+            <a:ext cx="792088" cy="1872208"/>
+          </a:xfrm>
+          <a:prstGeom prst="rect">
+            <a:avLst/>
+          </a:prstGeom>
+        </p:spPr>
+        <p:style>
+          <a:lnRef idx="2">
+            <a:schemeClr val="accent1">
+              <a:shade val="50000"/>
+            </a:schemeClr>
+          </a:lnRef>
+          <a:fillRef idx="1">
+            <a:schemeClr val="accent1"/>
+          </a:fillRef>
+          <a:effectRef idx="0">
+            <a:schemeClr val="accent1"/>
+          </a:effectRef>
+          <a:fontRef idx="minor">
+            <a:schemeClr val="lt1"/>
+          </a:fontRef>
+        </p:style>
+        <p:txBody>
+          <a:bodyPr rtlCol="0" anchor="ctr"/>
+          <a:lstStyle/>
+          <a:p>
+            <a:pPr algn="ctr"/>
+            <a:endParaRPr lang="zh-CN" altLang="en-US"/>
+          </a:p>
+        </p:txBody>
+      </p:sp>
+      <p:sp>
+        <p:nvSpPr>
+          <p:cNvPr id="6" name="椭圆 5"/>
+          <p:cNvSpPr/>
+          <p:nvPr/>
+        </p:nvSpPr>
+        <p:spPr>
+          <a:xfrm>
+            <a:off x="5724128" y="260648"/>
+            <a:ext cx="1728192" cy="914400"/>
+          </a:xfrm>
+          <a:prstGeom prst="ellipse">
+            <a:avLst/>
+          </a:prstGeom>
+        </p:spPr>
+        <p:style>
+          <a:lnRef idx="2">
+            <a:schemeClr val="accent1">
+              <a:shade val="50000"/>
+            </a:schemeClr>
+          </a:lnRef>
+          <a:fillRef idx="1">
+            <a:schemeClr val="accent1"/>
+          </a:fillRef>
+          <a:effectRef idx="0">
+            <a:schemeClr val="accent1"/>
+          </a:effectRef>
+          <a:fontRef idx="minor">
+            <a:schemeClr val="lt1"/>
+          </a:fontRef>
+        </p:style>
+        <p:txBody>
+          <a:bodyPr rtlCol="0" anchor="ctr"/>
+          <a:lstStyle/>
+          <a:p>
+            <a:pPr algn="ctr"/>
+            <a:r>
+              <a:rPr lang="zh-CN" altLang="en-US" dirty="0" smtClean="0"/>
+              <a:t>子</a:t>
+            </a:r>
+            <a:r>
+              <a:rPr lang="en-US" altLang="zh-CN" dirty="0" smtClean="0"/>
+              <a:t>RDD</a:t>
+            </a:r>
+            <a:endParaRPr lang="zh-CN" altLang="en-US" dirty="0"/>
+          </a:p>
+        </p:txBody>
+      </p:sp>
+      <p:sp>
+        <p:nvSpPr>
+          <p:cNvPr id="7" name="椭圆 6"/>
+          <p:cNvSpPr/>
+          <p:nvPr/>
+        </p:nvSpPr>
+        <p:spPr>
+          <a:xfrm>
+            <a:off x="2051720" y="332656"/>
+            <a:ext cx="1728192" cy="914400"/>
+          </a:xfrm>
+          <a:prstGeom prst="ellipse">
+            <a:avLst/>
+          </a:prstGeom>
+        </p:spPr>
+        <p:style>
+          <a:lnRef idx="2">
+            <a:schemeClr val="accent1">
+              <a:shade val="50000"/>
+            </a:schemeClr>
+          </a:lnRef>
+          <a:fillRef idx="1">
+            <a:schemeClr val="accent1"/>
+          </a:fillRef>
+          <a:effectRef idx="0">
+            <a:schemeClr val="accent1"/>
+          </a:effectRef>
+          <a:fontRef idx="minor">
+            <a:schemeClr val="lt1"/>
+          </a:fontRef>
+        </p:style>
+        <p:txBody>
+          <a:bodyPr rtlCol="0" anchor="ctr"/>
+          <a:lstStyle/>
+          <a:p>
+            <a:pPr algn="ctr"/>
+            <a:r>
+              <a:rPr lang="zh-CN" altLang="en-US" dirty="0" smtClean="0"/>
+              <a:t>父</a:t>
+            </a:r>
+            <a:r>
+              <a:rPr lang="en-US" altLang="zh-CN" dirty="0" smtClean="0"/>
+              <a:t>RDD</a:t>
+            </a:r>
+            <a:endParaRPr lang="zh-CN" altLang="en-US" dirty="0"/>
+          </a:p>
+        </p:txBody>
+      </p:sp>
+      <p:cxnSp>
+        <p:nvCxnSpPr>
+          <p:cNvPr id="9" name="直接箭头连接符 8"/>
+          <p:cNvCxnSpPr>
+            <a:stCxn id="4" idx="3"/>
+            <a:endCxn id="5" idx="1"/>
+          </p:cNvCxnSpPr>
+          <p:nvPr/>
+        </p:nvCxnSpPr>
+        <p:spPr>
+          <a:xfrm>
+            <a:off x="4211960" y="2528900"/>
+            <a:ext cx="2376264" cy="1116124"/>
+          </a:xfrm>
+          <a:prstGeom prst="straightConnector1">
+            <a:avLst/>
+          </a:prstGeom>
+          <a:ln>
+            <a:tailEnd type="arrow"/>
+          </a:ln>
+        </p:spPr>
+        <p:style>
+          <a:lnRef idx="1">
+            <a:schemeClr val="accent1"/>
+          </a:lnRef>
+          <a:fillRef idx="0">
+            <a:schemeClr val="accent1"/>
+          </a:fillRef>
+          <a:effectRef idx="0">
+            <a:schemeClr val="accent1"/>
+          </a:effectRef>
+          <a:fontRef idx="minor">
+            <a:schemeClr val="tx1"/>
+          </a:fontRef>
+        </p:style>
+      </p:cxnSp>
+      <p:sp>
+        <p:nvSpPr>
+          <p:cNvPr id="10" name="矩形 9"/>
+          <p:cNvSpPr/>
+          <p:nvPr/>
+        </p:nvSpPr>
+        <p:spPr>
+          <a:xfrm>
+            <a:off x="3419872" y="3861048"/>
+            <a:ext cx="792088" cy="1800200"/>
+          </a:xfrm>
+          <a:prstGeom prst="rect">
+            <a:avLst/>
+          </a:prstGeom>
+        </p:spPr>
+        <p:style>
+          <a:lnRef idx="2">
+            <a:schemeClr val="accent1">
+              <a:shade val="50000"/>
+            </a:schemeClr>
+          </a:lnRef>
+          <a:fillRef idx="1">
+            <a:schemeClr val="accent1"/>
+          </a:fillRef>
+          <a:effectRef idx="0">
+            <a:schemeClr val="accent1"/>
+          </a:effectRef>
+          <a:fontRef idx="minor">
+            <a:schemeClr val="lt1"/>
+          </a:fontRef>
+        </p:style>
+        <p:txBody>
+          <a:bodyPr rtlCol="0" anchor="ctr"/>
+          <a:lstStyle/>
+          <a:p>
+            <a:pPr algn="ctr"/>
+            <a:endParaRPr lang="zh-CN" altLang="en-US"/>
+          </a:p>
+        </p:txBody>
+      </p:sp>
+      <p:cxnSp>
+        <p:nvCxnSpPr>
+          <p:cNvPr id="11" name="直接箭头连接符 10"/>
+          <p:cNvCxnSpPr>
+            <a:stCxn id="10" idx="3"/>
+            <a:endCxn id="5" idx="1"/>
+          </p:cNvCxnSpPr>
+          <p:nvPr/>
+        </p:nvCxnSpPr>
+        <p:spPr>
+          <a:xfrm flipV="1">
+            <a:off x="4211960" y="3645024"/>
+            <a:ext cx="2376264" cy="1116124"/>
+          </a:xfrm>
+          <a:prstGeom prst="straightConnector1">
+            <a:avLst/>
+          </a:prstGeom>
+          <a:ln>
+            <a:tailEnd type="arrow"/>
+          </a:ln>
+        </p:spPr>
+        <p:style>
+          <a:lnRef idx="1">
+            <a:schemeClr val="accent1"/>
+          </a:lnRef>
+          <a:fillRef idx="0">
+            <a:schemeClr val="accent1"/>
+          </a:fillRef>
+          <a:effectRef idx="0">
+            <a:schemeClr val="accent1"/>
+          </a:effectRef>
+          <a:fontRef idx="minor">
+            <a:schemeClr val="tx1"/>
+          </a:fontRef>
+        </p:style>
+      </p:cxnSp>
+    </p:spTree>
+  </p:cSld>
+  <p:clrMapOvr>
+    <a:masterClrMapping/>
+  </p:clrMapOvr>
+</p:sld>
 </file>
 
 <file path=ppt/theme/theme1.xml><?xml version="1.0" encoding="utf-8"?>
